--- a/The Battle of Neighborhoods (week 2) - PPT.pptx
+++ b/The Battle of Neighborhoods (week 2) - PPT.pptx
@@ -3188,7 +3188,7 @@
           <a:noFill/>
           <a:extLst>
             <a:ext uri="{909E8E84-426E-40dd-AFC4-6F175D3DCCD1}">
-              <a14:hiddenFill xmlns="" xmlns:a14="http://schemas.microsoft.com/office/drawing/2010/main">
+              <a14:hiddenFill xmlns:a14="http://schemas.microsoft.com/office/drawing/2010/main" xmlns="">
                 <a:solidFill>
                   <a:srgbClr val="FFFFFF"/>
                 </a:solidFill>
@@ -3247,7 +3247,7 @@
             </a:ln>
             <a:extLst>
               <a:ext uri="{91240B29-F687-4f45-9708-019B960494DF}">
-                <a14:hiddenLine xmlns="" xmlns:a14="http://schemas.microsoft.com/office/drawing/2010/main" w="9525">
+                <a14:hiddenLine xmlns:a14="http://schemas.microsoft.com/office/drawing/2010/main" xmlns="" w="9525">
                   <a:solidFill>
                     <a:srgbClr val="000000"/>
                   </a:solidFill>
@@ -3337,7 +3337,7 @@
             </a:ln>
             <a:extLst>
               <a:ext uri="{91240B29-F687-4f45-9708-019B960494DF}">
-                <a14:hiddenLine xmlns="" xmlns:a14="http://schemas.microsoft.com/office/drawing/2010/main" w="9525">
+                <a14:hiddenLine xmlns:a14="http://schemas.microsoft.com/office/drawing/2010/main" xmlns="" w="9525">
                   <a:solidFill>
                     <a:srgbClr val="000000"/>
                   </a:solidFill>
@@ -3427,7 +3427,7 @@
             </a:ln>
             <a:extLst>
               <a:ext uri="{91240B29-F687-4f45-9708-019B960494DF}">
-                <a14:hiddenLine xmlns="" xmlns:a14="http://schemas.microsoft.com/office/drawing/2010/main" w="9525">
+                <a14:hiddenLine xmlns:a14="http://schemas.microsoft.com/office/drawing/2010/main" xmlns="" w="9525">
                   <a:solidFill>
                     <a:srgbClr val="000000"/>
                   </a:solidFill>
@@ -3461,7 +3461,7 @@
             </a:ln>
             <a:extLst>
               <a:ext uri="{91240B29-F687-4f45-9708-019B960494DF}">
-                <a14:hiddenLine xmlns="" xmlns:a14="http://schemas.microsoft.com/office/drawing/2010/main" w="9525">
+                <a14:hiddenLine xmlns:a14="http://schemas.microsoft.com/office/drawing/2010/main" xmlns="" w="9525">
                   <a:solidFill>
                     <a:srgbClr val="000000"/>
                   </a:solidFill>
@@ -3551,7 +3551,7 @@
             </a:ln>
             <a:extLst>
               <a:ext uri="{91240B29-F687-4f45-9708-019B960494DF}">
-                <a14:hiddenLine xmlns="" xmlns:a14="http://schemas.microsoft.com/office/drawing/2010/main" w="9525">
+                <a14:hiddenLine xmlns:a14="http://schemas.microsoft.com/office/drawing/2010/main" xmlns="" w="9525">
                   <a:solidFill>
                     <a:srgbClr val="000000"/>
                   </a:solidFill>
@@ -3613,7 +3613,7 @@
             </a:ln>
             <a:extLst>
               <a:ext uri="{91240B29-F687-4f45-9708-019B960494DF}">
-                <a14:hiddenLine xmlns="" xmlns:a14="http://schemas.microsoft.com/office/drawing/2010/main" w="9525">
+                <a14:hiddenLine xmlns:a14="http://schemas.microsoft.com/office/drawing/2010/main" xmlns="" w="9525">
                   <a:solidFill>
                     <a:srgbClr val="000000"/>
                   </a:solidFill>
@@ -3675,7 +3675,7 @@
             </a:ln>
             <a:extLst>
               <a:ext uri="{91240B29-F687-4f45-9708-019B960494DF}">
-                <a14:hiddenLine xmlns="" xmlns:a14="http://schemas.microsoft.com/office/drawing/2010/main" w="9525">
+                <a14:hiddenLine xmlns:a14="http://schemas.microsoft.com/office/drawing/2010/main" xmlns="" w="9525">
                   <a:solidFill>
                     <a:srgbClr val="000000"/>
                   </a:solidFill>
@@ -3765,7 +3765,7 @@
             </a:ln>
             <a:extLst>
               <a:ext uri="{91240B29-F687-4f45-9708-019B960494DF}">
-                <a14:hiddenLine xmlns="" xmlns:a14="http://schemas.microsoft.com/office/drawing/2010/main" w="9525">
+                <a14:hiddenLine xmlns:a14="http://schemas.microsoft.com/office/drawing/2010/main" xmlns="" w="9525">
                   <a:solidFill>
                     <a:srgbClr val="000000"/>
                   </a:solidFill>
@@ -3827,7 +3827,7 @@
             </a:ln>
             <a:extLst>
               <a:ext uri="{91240B29-F687-4f45-9708-019B960494DF}">
-                <a14:hiddenLine xmlns="" xmlns:a14="http://schemas.microsoft.com/office/drawing/2010/main" w="9525">
+                <a14:hiddenLine xmlns:a14="http://schemas.microsoft.com/office/drawing/2010/main" xmlns="" w="9525">
                   <a:solidFill>
                     <a:srgbClr val="000000"/>
                   </a:solidFill>
@@ -3889,7 +3889,7 @@
             </a:ln>
             <a:extLst>
               <a:ext uri="{91240B29-F687-4f45-9708-019B960494DF}">
-                <a14:hiddenLine xmlns="" xmlns:a14="http://schemas.microsoft.com/office/drawing/2010/main" w="9525">
+                <a14:hiddenLine xmlns:a14="http://schemas.microsoft.com/office/drawing/2010/main" xmlns="" w="9525">
                   <a:solidFill>
                     <a:srgbClr val="000000"/>
                   </a:solidFill>
@@ -3979,7 +3979,7 @@
             </a:ln>
             <a:extLst>
               <a:ext uri="{91240B29-F687-4f45-9708-019B960494DF}">
-                <a14:hiddenLine xmlns="" xmlns:a14="http://schemas.microsoft.com/office/drawing/2010/main" w="9525">
+                <a14:hiddenLine xmlns:a14="http://schemas.microsoft.com/office/drawing/2010/main" xmlns="" w="9525">
                   <a:solidFill>
                     <a:srgbClr val="000000"/>
                   </a:solidFill>
@@ -4069,7 +4069,7 @@
             </a:ln>
             <a:extLst>
               <a:ext uri="{91240B29-F687-4f45-9708-019B960494DF}">
-                <a14:hiddenLine xmlns="" xmlns:a14="http://schemas.microsoft.com/office/drawing/2010/main" w="9525">
+                <a14:hiddenLine xmlns:a14="http://schemas.microsoft.com/office/drawing/2010/main" xmlns="" w="9525">
                   <a:solidFill>
                     <a:srgbClr val="000000"/>
                   </a:solidFill>
@@ -4131,7 +4131,7 @@
             </a:ln>
             <a:extLst>
               <a:ext uri="{91240B29-F687-4f45-9708-019B960494DF}">
-                <a14:hiddenLine xmlns="" xmlns:a14="http://schemas.microsoft.com/office/drawing/2010/main" w="9525">
+                <a14:hiddenLine xmlns:a14="http://schemas.microsoft.com/office/drawing/2010/main" xmlns="" w="9525">
                   <a:solidFill>
                     <a:srgbClr val="000000"/>
                   </a:solidFill>
@@ -4241,7 +4241,7 @@
             </a:ln>
             <a:extLst>
               <a:ext uri="{91240B29-F687-4f45-9708-019B960494DF}">
-                <a14:hiddenLine xmlns="" xmlns:a14="http://schemas.microsoft.com/office/drawing/2010/main" w="9525">
+                <a14:hiddenLine xmlns:a14="http://schemas.microsoft.com/office/drawing/2010/main" xmlns="" w="9525">
                   <a:solidFill>
                     <a:srgbClr val="000000"/>
                   </a:solidFill>
@@ -4303,7 +4303,7 @@
             </a:ln>
             <a:extLst>
               <a:ext uri="{91240B29-F687-4f45-9708-019B960494DF}">
-                <a14:hiddenLine xmlns="" xmlns:a14="http://schemas.microsoft.com/office/drawing/2010/main" w="9525">
+                <a14:hiddenLine xmlns:a14="http://schemas.microsoft.com/office/drawing/2010/main" xmlns="" w="9525">
                   <a:solidFill>
                     <a:srgbClr val="000000"/>
                   </a:solidFill>
@@ -4393,7 +4393,7 @@
             </a:ln>
             <a:extLst>
               <a:ext uri="{91240B29-F687-4f45-9708-019B960494DF}">
-                <a14:hiddenLine xmlns="" xmlns:a14="http://schemas.microsoft.com/office/drawing/2010/main" w="9525">
+                <a14:hiddenLine xmlns:a14="http://schemas.microsoft.com/office/drawing/2010/main" xmlns="" w="9525">
                   <a:solidFill>
                     <a:srgbClr val="000000"/>
                   </a:solidFill>
@@ -4483,7 +4483,7 @@
             </a:ln>
             <a:extLst>
               <a:ext uri="{91240B29-F687-4f45-9708-019B960494DF}">
-                <a14:hiddenLine xmlns="" xmlns:a14="http://schemas.microsoft.com/office/drawing/2010/main" w="9525">
+                <a14:hiddenLine xmlns:a14="http://schemas.microsoft.com/office/drawing/2010/main" xmlns="" w="9525">
                   <a:solidFill>
                     <a:srgbClr val="000000"/>
                   </a:solidFill>
@@ -4545,7 +4545,7 @@
             </a:ln>
             <a:extLst>
               <a:ext uri="{91240B29-F687-4f45-9708-019B960494DF}">
-                <a14:hiddenLine xmlns="" xmlns:a14="http://schemas.microsoft.com/office/drawing/2010/main" w="9525">
+                <a14:hiddenLine xmlns:a14="http://schemas.microsoft.com/office/drawing/2010/main" xmlns="" w="9525">
                   <a:solidFill>
                     <a:srgbClr val="000000"/>
                   </a:solidFill>
@@ -4635,7 +4635,7 @@
             </a:ln>
             <a:extLst>
               <a:ext uri="{91240B29-F687-4f45-9708-019B960494DF}">
-                <a14:hiddenLine xmlns="" xmlns:a14="http://schemas.microsoft.com/office/drawing/2010/main" w="9525">
+                <a14:hiddenLine xmlns:a14="http://schemas.microsoft.com/office/drawing/2010/main" xmlns="" w="9525">
                   <a:solidFill>
                     <a:srgbClr val="000000"/>
                   </a:solidFill>
@@ -4725,7 +4725,7 @@
             </a:ln>
             <a:extLst>
               <a:ext uri="{91240B29-F687-4f45-9708-019B960494DF}">
-                <a14:hiddenLine xmlns="" xmlns:a14="http://schemas.microsoft.com/office/drawing/2010/main" w="9525">
+                <a14:hiddenLine xmlns:a14="http://schemas.microsoft.com/office/drawing/2010/main" xmlns="" w="9525">
                   <a:solidFill>
                     <a:srgbClr val="000000"/>
                   </a:solidFill>
@@ -4781,7 +4781,7 @@
             </a:ln>
             <a:extLst>
               <a:ext uri="{91240B29-F687-4f45-9708-019B960494DF}">
-                <a14:hiddenLine xmlns="" xmlns:a14="http://schemas.microsoft.com/office/drawing/2010/main" w="9525">
+                <a14:hiddenLine xmlns:a14="http://schemas.microsoft.com/office/drawing/2010/main" xmlns="" w="9525">
                   <a:solidFill>
                     <a:srgbClr val="000000"/>
                   </a:solidFill>
@@ -4871,7 +4871,7 @@
             </a:ln>
             <a:extLst>
               <a:ext uri="{91240B29-F687-4f45-9708-019B960494DF}">
-                <a14:hiddenLine xmlns="" xmlns:a14="http://schemas.microsoft.com/office/drawing/2010/main" w="9525">
+                <a14:hiddenLine xmlns:a14="http://schemas.microsoft.com/office/drawing/2010/main" xmlns="" w="9525">
                   <a:solidFill>
                     <a:srgbClr val="000000"/>
                   </a:solidFill>
@@ -4927,7 +4927,7 @@
             </a:ln>
             <a:extLst>
               <a:ext uri="{91240B29-F687-4f45-9708-019B960494DF}">
-                <a14:hiddenLine xmlns="" xmlns:a14="http://schemas.microsoft.com/office/drawing/2010/main" w="9525">
+                <a14:hiddenLine xmlns:a14="http://schemas.microsoft.com/office/drawing/2010/main" xmlns="" w="9525">
                   <a:solidFill>
                     <a:srgbClr val="000000"/>
                   </a:solidFill>
@@ -5017,7 +5017,7 @@
             </a:ln>
             <a:extLst>
               <a:ext uri="{91240B29-F687-4f45-9708-019B960494DF}">
-                <a14:hiddenLine xmlns="" xmlns:a14="http://schemas.microsoft.com/office/drawing/2010/main" w="9525">
+                <a14:hiddenLine xmlns:a14="http://schemas.microsoft.com/office/drawing/2010/main" xmlns="" w="9525">
                   <a:solidFill>
                     <a:srgbClr val="000000"/>
                   </a:solidFill>
@@ -5085,7 +5085,7 @@
             </a:ln>
             <a:extLst>
               <a:ext uri="{91240B29-F687-4f45-9708-019B960494DF}">
-                <a14:hiddenLine xmlns="" xmlns:a14="http://schemas.microsoft.com/office/drawing/2010/main" w="9525">
+                <a14:hiddenLine xmlns:a14="http://schemas.microsoft.com/office/drawing/2010/main" xmlns="" w="9525">
                   <a:solidFill>
                     <a:srgbClr val="000000"/>
                   </a:solidFill>
@@ -5175,7 +5175,7 @@
             </a:ln>
             <a:extLst>
               <a:ext uri="{91240B29-F687-4f45-9708-019B960494DF}">
-                <a14:hiddenLine xmlns="" xmlns:a14="http://schemas.microsoft.com/office/drawing/2010/main" w="9525">
+                <a14:hiddenLine xmlns:a14="http://schemas.microsoft.com/office/drawing/2010/main" xmlns="" w="9525">
                   <a:solidFill>
                     <a:srgbClr val="000000"/>
                   </a:solidFill>
@@ -5243,7 +5243,7 @@
             </a:ln>
             <a:extLst>
               <a:ext uri="{91240B29-F687-4f45-9708-019B960494DF}">
-                <a14:hiddenLine xmlns="" xmlns:a14="http://schemas.microsoft.com/office/drawing/2010/main" w="9525">
+                <a14:hiddenLine xmlns:a14="http://schemas.microsoft.com/office/drawing/2010/main" xmlns="" w="9525">
                   <a:solidFill>
                     <a:srgbClr val="000000"/>
                   </a:solidFill>
@@ -5333,7 +5333,7 @@
             </a:ln>
             <a:extLst>
               <a:ext uri="{91240B29-F687-4f45-9708-019B960494DF}">
-                <a14:hiddenLine xmlns="" xmlns:a14="http://schemas.microsoft.com/office/drawing/2010/main" w="9525">
+                <a14:hiddenLine xmlns:a14="http://schemas.microsoft.com/office/drawing/2010/main" xmlns="" w="9525">
                   <a:solidFill>
                     <a:srgbClr val="000000"/>
                   </a:solidFill>
@@ -5367,7 +5367,7 @@
             </a:ln>
             <a:extLst>
               <a:ext uri="{91240B29-F687-4f45-9708-019B960494DF}">
-                <a14:hiddenLine xmlns="" xmlns:a14="http://schemas.microsoft.com/office/drawing/2010/main" w="9525">
+                <a14:hiddenLine xmlns:a14="http://schemas.microsoft.com/office/drawing/2010/main" xmlns="" w="9525">
                   <a:solidFill>
                     <a:srgbClr val="000000"/>
                   </a:solidFill>
@@ -5457,7 +5457,7 @@
             </a:ln>
             <a:extLst>
               <a:ext uri="{91240B29-F687-4f45-9708-019B960494DF}">
-                <a14:hiddenLine xmlns="" xmlns:a14="http://schemas.microsoft.com/office/drawing/2010/main" w="9525">
+                <a14:hiddenLine xmlns:a14="http://schemas.microsoft.com/office/drawing/2010/main" xmlns="" w="9525">
                   <a:solidFill>
                     <a:srgbClr val="000000"/>
                   </a:solidFill>
@@ -5519,7 +5519,7 @@
             </a:ln>
             <a:extLst>
               <a:ext uri="{91240B29-F687-4f45-9708-019B960494DF}">
-                <a14:hiddenLine xmlns="" xmlns:a14="http://schemas.microsoft.com/office/drawing/2010/main" w="9525">
+                <a14:hiddenLine xmlns:a14="http://schemas.microsoft.com/office/drawing/2010/main" xmlns="" w="9525">
                   <a:solidFill>
                     <a:srgbClr val="000000"/>
                   </a:solidFill>
@@ -5581,7 +5581,7 @@
             </a:ln>
             <a:extLst>
               <a:ext uri="{91240B29-F687-4f45-9708-019B960494DF}">
-                <a14:hiddenLine xmlns="" xmlns:a14="http://schemas.microsoft.com/office/drawing/2010/main" w="9525">
+                <a14:hiddenLine xmlns:a14="http://schemas.microsoft.com/office/drawing/2010/main" xmlns="" w="9525">
                   <a:solidFill>
                     <a:srgbClr val="000000"/>
                   </a:solidFill>
@@ -5671,7 +5671,7 @@
             </a:ln>
             <a:extLst>
               <a:ext uri="{91240B29-F687-4f45-9708-019B960494DF}">
-                <a14:hiddenLine xmlns="" xmlns:a14="http://schemas.microsoft.com/office/drawing/2010/main" w="9525">
+                <a14:hiddenLine xmlns:a14="http://schemas.microsoft.com/office/drawing/2010/main" xmlns="" w="9525">
                   <a:solidFill>
                     <a:srgbClr val="000000"/>
                   </a:solidFill>
@@ -5739,7 +5739,7 @@
             </a:ln>
             <a:extLst>
               <a:ext uri="{91240B29-F687-4f45-9708-019B960494DF}">
-                <a14:hiddenLine xmlns="" xmlns:a14="http://schemas.microsoft.com/office/drawing/2010/main" w="9525">
+                <a14:hiddenLine xmlns:a14="http://schemas.microsoft.com/office/drawing/2010/main" xmlns="" w="9525">
                   <a:solidFill>
                     <a:srgbClr val="000000"/>
                   </a:solidFill>
@@ -5801,7 +5801,7 @@
             </a:ln>
             <a:extLst>
               <a:ext uri="{91240B29-F687-4f45-9708-019B960494DF}">
-                <a14:hiddenLine xmlns="" xmlns:a14="http://schemas.microsoft.com/office/drawing/2010/main" w="9525">
+                <a14:hiddenLine xmlns:a14="http://schemas.microsoft.com/office/drawing/2010/main" xmlns="" w="9525">
                   <a:solidFill>
                     <a:srgbClr val="000000"/>
                   </a:solidFill>
@@ -5891,7 +5891,7 @@
             </a:ln>
             <a:extLst>
               <a:ext uri="{91240B29-F687-4f45-9708-019B960494DF}">
-                <a14:hiddenLine xmlns="" xmlns:a14="http://schemas.microsoft.com/office/drawing/2010/main" w="9525">
+                <a14:hiddenLine xmlns:a14="http://schemas.microsoft.com/office/drawing/2010/main" xmlns="" w="9525">
                   <a:solidFill>
                     <a:srgbClr val="000000"/>
                   </a:solidFill>
@@ -5953,7 +5953,7 @@
             </a:ln>
             <a:extLst>
               <a:ext uri="{91240B29-F687-4f45-9708-019B960494DF}">
-                <a14:hiddenLine xmlns="" xmlns:a14="http://schemas.microsoft.com/office/drawing/2010/main" w="9525">
+                <a14:hiddenLine xmlns:a14="http://schemas.microsoft.com/office/drawing/2010/main" xmlns="" w="9525">
                   <a:solidFill>
                     <a:srgbClr val="000000"/>
                   </a:solidFill>
@@ -6043,7 +6043,7 @@
             </a:ln>
             <a:extLst>
               <a:ext uri="{91240B29-F687-4f45-9708-019B960494DF}">
-                <a14:hiddenLine xmlns="" xmlns:a14="http://schemas.microsoft.com/office/drawing/2010/main" w="9525">
+                <a14:hiddenLine xmlns:a14="http://schemas.microsoft.com/office/drawing/2010/main" xmlns="" w="9525">
                   <a:solidFill>
                     <a:srgbClr val="000000"/>
                   </a:solidFill>
@@ -6105,7 +6105,7 @@
             </a:ln>
             <a:extLst>
               <a:ext uri="{91240B29-F687-4f45-9708-019B960494DF}">
-                <a14:hiddenLine xmlns="" xmlns:a14="http://schemas.microsoft.com/office/drawing/2010/main" w="9525">
+                <a14:hiddenLine xmlns:a14="http://schemas.microsoft.com/office/drawing/2010/main" xmlns="" w="9525">
                   <a:solidFill>
                     <a:srgbClr val="000000"/>
                   </a:solidFill>
@@ -6195,7 +6195,7 @@
             </a:ln>
             <a:extLst>
               <a:ext uri="{91240B29-F687-4f45-9708-019B960494DF}">
-                <a14:hiddenLine xmlns="" xmlns:a14="http://schemas.microsoft.com/office/drawing/2010/main" w="9525">
+                <a14:hiddenLine xmlns:a14="http://schemas.microsoft.com/office/drawing/2010/main" xmlns="" w="9525">
                   <a:solidFill>
                     <a:srgbClr val="000000"/>
                   </a:solidFill>
@@ -6229,7 +6229,7 @@
             </a:ln>
             <a:extLst>
               <a:ext uri="{91240B29-F687-4f45-9708-019B960494DF}">
-                <a14:hiddenLine xmlns="" xmlns:a14="http://schemas.microsoft.com/office/drawing/2010/main" w="9525">
+                <a14:hiddenLine xmlns:a14="http://schemas.microsoft.com/office/drawing/2010/main" xmlns="" w="9525">
                   <a:solidFill>
                     <a:srgbClr val="000000"/>
                   </a:solidFill>
@@ -6294,7 +6294,7 @@
             </a:ln>
             <a:extLst>
               <a:ext uri="{91240B29-F687-4f45-9708-019B960494DF}">
-                <a14:hiddenLine xmlns="" xmlns:a14="http://schemas.microsoft.com/office/drawing/2010/main" w="9525">
+                <a14:hiddenLine xmlns:a14="http://schemas.microsoft.com/office/drawing/2010/main" xmlns="" w="9525">
                   <a:solidFill>
                     <a:srgbClr val="000000"/>
                   </a:solidFill>
@@ -6384,7 +6384,7 @@
             </a:ln>
             <a:extLst>
               <a:ext uri="{91240B29-F687-4f45-9708-019B960494DF}">
-                <a14:hiddenLine xmlns="" xmlns:a14="http://schemas.microsoft.com/office/drawing/2010/main" w="9525">
+                <a14:hiddenLine xmlns:a14="http://schemas.microsoft.com/office/drawing/2010/main" xmlns="" w="9525">
                   <a:solidFill>
                     <a:srgbClr val="000000"/>
                   </a:solidFill>
@@ -6446,7 +6446,7 @@
             </a:ln>
             <a:extLst>
               <a:ext uri="{91240B29-F687-4f45-9708-019B960494DF}">
-                <a14:hiddenLine xmlns="" xmlns:a14="http://schemas.microsoft.com/office/drawing/2010/main" w="9525">
+                <a14:hiddenLine xmlns:a14="http://schemas.microsoft.com/office/drawing/2010/main" xmlns="" w="9525">
                   <a:solidFill>
                     <a:srgbClr val="000000"/>
                   </a:solidFill>
@@ -6536,7 +6536,7 @@
             </a:ln>
             <a:extLst>
               <a:ext uri="{91240B29-F687-4f45-9708-019B960494DF}">
-                <a14:hiddenLine xmlns="" xmlns:a14="http://schemas.microsoft.com/office/drawing/2010/main" w="9525">
+                <a14:hiddenLine xmlns:a14="http://schemas.microsoft.com/office/drawing/2010/main" xmlns="" w="9525">
                   <a:solidFill>
                     <a:srgbClr val="000000"/>
                   </a:solidFill>
@@ -6626,7 +6626,7 @@
             </a:ln>
             <a:extLst>
               <a:ext uri="{91240B29-F687-4f45-9708-019B960494DF}">
-                <a14:hiddenLine xmlns="" xmlns:a14="http://schemas.microsoft.com/office/drawing/2010/main" w="9525">
+                <a14:hiddenLine xmlns:a14="http://schemas.microsoft.com/office/drawing/2010/main" xmlns="" w="9525">
                   <a:solidFill>
                     <a:srgbClr val="000000"/>
                   </a:solidFill>
@@ -6691,7 +6691,7 @@
             </a:ln>
             <a:extLst>
               <a:ext uri="{91240B29-F687-4f45-9708-019B960494DF}">
-                <a14:hiddenLine xmlns="" xmlns:a14="http://schemas.microsoft.com/office/drawing/2010/main" w="9525">
+                <a14:hiddenLine xmlns:a14="http://schemas.microsoft.com/office/drawing/2010/main" xmlns="" w="9525">
                   <a:solidFill>
                     <a:srgbClr val="000000"/>
                   </a:solidFill>
@@ -6753,7 +6753,7 @@
             </a:ln>
             <a:extLst>
               <a:ext uri="{91240B29-F687-4f45-9708-019B960494DF}">
-                <a14:hiddenLine xmlns="" xmlns:a14="http://schemas.microsoft.com/office/drawing/2010/main" w="9525">
+                <a14:hiddenLine xmlns:a14="http://schemas.microsoft.com/office/drawing/2010/main" xmlns="" w="9525">
                   <a:solidFill>
                     <a:srgbClr val="000000"/>
                   </a:solidFill>
@@ -6843,7 +6843,7 @@
             </a:ln>
             <a:extLst>
               <a:ext uri="{91240B29-F687-4f45-9708-019B960494DF}">
-                <a14:hiddenLine xmlns="" xmlns:a14="http://schemas.microsoft.com/office/drawing/2010/main" w="9525">
+                <a14:hiddenLine xmlns:a14="http://schemas.microsoft.com/office/drawing/2010/main" xmlns="" w="9525">
                   <a:solidFill>
                     <a:srgbClr val="000000"/>
                   </a:solidFill>
@@ -6933,7 +6933,7 @@
             </a:ln>
             <a:extLst>
               <a:ext uri="{91240B29-F687-4f45-9708-019B960494DF}">
-                <a14:hiddenLine xmlns="" xmlns:a14="http://schemas.microsoft.com/office/drawing/2010/main" w="9525">
+                <a14:hiddenLine xmlns:a14="http://schemas.microsoft.com/office/drawing/2010/main" xmlns="" w="9525">
                   <a:solidFill>
                     <a:srgbClr val="000000"/>
                   </a:solidFill>
@@ -6995,7 +6995,7 @@
             </a:ln>
             <a:extLst>
               <a:ext uri="{91240B29-F687-4f45-9708-019B960494DF}">
-                <a14:hiddenLine xmlns="" xmlns:a14="http://schemas.microsoft.com/office/drawing/2010/main" w="9525">
+                <a14:hiddenLine xmlns:a14="http://schemas.microsoft.com/office/drawing/2010/main" xmlns="" w="9525">
                   <a:solidFill>
                     <a:srgbClr val="000000"/>
                   </a:solidFill>
@@ -7115,7 +7115,7 @@
             </a:ln>
             <a:extLst>
               <a:ext uri="{91240B29-F687-4f45-9708-019B960494DF}">
-                <a14:hiddenLine xmlns="" xmlns:a14="http://schemas.microsoft.com/office/drawing/2010/main" w="9525">
+                <a14:hiddenLine xmlns:a14="http://schemas.microsoft.com/office/drawing/2010/main" xmlns="" w="9525">
                   <a:solidFill>
                     <a:srgbClr val="000000"/>
                   </a:solidFill>
@@ -7183,7 +7183,7 @@
             </a:ln>
             <a:extLst>
               <a:ext uri="{91240B29-F687-4f45-9708-019B960494DF}">
-                <a14:hiddenLine xmlns="" xmlns:a14="http://schemas.microsoft.com/office/drawing/2010/main" w="9525">
+                <a14:hiddenLine xmlns:a14="http://schemas.microsoft.com/office/drawing/2010/main" xmlns="" w="9525">
                   <a:solidFill>
                     <a:srgbClr val="000000"/>
                   </a:solidFill>
@@ -7273,7 +7273,7 @@
             </a:ln>
             <a:extLst>
               <a:ext uri="{91240B29-F687-4f45-9708-019B960494DF}">
-                <a14:hiddenLine xmlns="" xmlns:a14="http://schemas.microsoft.com/office/drawing/2010/main" w="9525">
+                <a14:hiddenLine xmlns:a14="http://schemas.microsoft.com/office/drawing/2010/main" xmlns="" w="9525">
                   <a:solidFill>
                     <a:srgbClr val="000000"/>
                   </a:solidFill>
@@ -12087,7 +12087,7 @@
           <a:noFill/>
           <a:extLst>
             <a:ext uri="{909E8E84-426E-40dd-AFC4-6F175D3DCCD1}">
-              <a14:hiddenFill xmlns="" xmlns:a14="http://schemas.microsoft.com/office/drawing/2010/main">
+              <a14:hiddenFill xmlns:a14="http://schemas.microsoft.com/office/drawing/2010/main" xmlns="">
                 <a:solidFill>
                   <a:srgbClr val="FFFFFF"/>
                 </a:solidFill>
@@ -12161,7 +12161,7 @@
               </a:ln>
               <a:extLst>
                 <a:ext uri="{91240B29-F687-4f45-9708-019B960494DF}">
-                  <a14:hiddenLine xmlns="" xmlns:a14="http://schemas.microsoft.com/office/drawing/2010/main" w="9525">
+                  <a14:hiddenLine xmlns:a14="http://schemas.microsoft.com/office/drawing/2010/main" xmlns="" w="9525">
                     <a:solidFill>
                       <a:srgbClr val="000000"/>
                     </a:solidFill>
@@ -12251,7 +12251,7 @@
               </a:ln>
               <a:extLst>
                 <a:ext uri="{91240B29-F687-4f45-9708-019B960494DF}">
-                  <a14:hiddenLine xmlns="" xmlns:a14="http://schemas.microsoft.com/office/drawing/2010/main" w="9525">
+                  <a14:hiddenLine xmlns:a14="http://schemas.microsoft.com/office/drawing/2010/main" xmlns="" w="9525">
                     <a:solidFill>
                       <a:srgbClr val="000000"/>
                     </a:solidFill>
@@ -12341,7 +12341,7 @@
               </a:ln>
               <a:extLst>
                 <a:ext uri="{91240B29-F687-4f45-9708-019B960494DF}">
-                  <a14:hiddenLine xmlns="" xmlns:a14="http://schemas.microsoft.com/office/drawing/2010/main" w="9525">
+                  <a14:hiddenLine xmlns:a14="http://schemas.microsoft.com/office/drawing/2010/main" xmlns="" w="9525">
                     <a:solidFill>
                       <a:srgbClr val="000000"/>
                     </a:solidFill>
@@ -12403,7 +12403,7 @@
               </a:ln>
               <a:extLst>
                 <a:ext uri="{91240B29-F687-4f45-9708-019B960494DF}">
-                  <a14:hiddenLine xmlns="" xmlns:a14="http://schemas.microsoft.com/office/drawing/2010/main" w="9525">
+                  <a14:hiddenLine xmlns:a14="http://schemas.microsoft.com/office/drawing/2010/main" xmlns="" w="9525">
                     <a:solidFill>
                       <a:srgbClr val="000000"/>
                     </a:solidFill>
@@ -12493,7 +12493,7 @@
               </a:ln>
               <a:extLst>
                 <a:ext uri="{91240B29-F687-4f45-9708-019B960494DF}">
-                  <a14:hiddenLine xmlns="" xmlns:a14="http://schemas.microsoft.com/office/drawing/2010/main" w="9525">
+                  <a14:hiddenLine xmlns:a14="http://schemas.microsoft.com/office/drawing/2010/main" xmlns="" w="9525">
                     <a:solidFill>
                       <a:srgbClr val="000000"/>
                     </a:solidFill>
@@ -12555,7 +12555,7 @@
               </a:ln>
               <a:extLst>
                 <a:ext uri="{91240B29-F687-4f45-9708-019B960494DF}">
-                  <a14:hiddenLine xmlns="" xmlns:a14="http://schemas.microsoft.com/office/drawing/2010/main" w="9525">
+                  <a14:hiddenLine xmlns:a14="http://schemas.microsoft.com/office/drawing/2010/main" xmlns="" w="9525">
                     <a:solidFill>
                       <a:srgbClr val="000000"/>
                     </a:solidFill>
@@ -12617,7 +12617,7 @@
               </a:ln>
               <a:extLst>
                 <a:ext uri="{91240B29-F687-4f45-9708-019B960494DF}">
-                  <a14:hiddenLine xmlns="" xmlns:a14="http://schemas.microsoft.com/office/drawing/2010/main" w="9525">
+                  <a14:hiddenLine xmlns:a14="http://schemas.microsoft.com/office/drawing/2010/main" xmlns="" w="9525">
                     <a:solidFill>
                       <a:srgbClr val="000000"/>
                     </a:solidFill>
@@ -12707,7 +12707,7 @@
               </a:ln>
               <a:extLst>
                 <a:ext uri="{91240B29-F687-4f45-9708-019B960494DF}">
-                  <a14:hiddenLine xmlns="" xmlns:a14="http://schemas.microsoft.com/office/drawing/2010/main" w="9525">
+                  <a14:hiddenLine xmlns:a14="http://schemas.microsoft.com/office/drawing/2010/main" xmlns="" w="9525">
                     <a:solidFill>
                       <a:srgbClr val="000000"/>
                     </a:solidFill>
@@ -12797,7 +12797,7 @@
               </a:ln>
               <a:extLst>
                 <a:ext uri="{91240B29-F687-4f45-9708-019B960494DF}">
-                  <a14:hiddenLine xmlns="" xmlns:a14="http://schemas.microsoft.com/office/drawing/2010/main" w="9525">
+                  <a14:hiddenLine xmlns:a14="http://schemas.microsoft.com/office/drawing/2010/main" xmlns="" w="9525">
                     <a:solidFill>
                       <a:srgbClr val="000000"/>
                     </a:solidFill>
@@ -12859,7 +12859,7 @@
               </a:ln>
               <a:extLst>
                 <a:ext uri="{91240B29-F687-4f45-9708-019B960494DF}">
-                  <a14:hiddenLine xmlns="" xmlns:a14="http://schemas.microsoft.com/office/drawing/2010/main" w="9525">
+                  <a14:hiddenLine xmlns:a14="http://schemas.microsoft.com/office/drawing/2010/main" xmlns="" w="9525">
                     <a:solidFill>
                       <a:srgbClr val="000000"/>
                     </a:solidFill>
@@ -12969,7 +12969,7 @@
               </a:ln>
               <a:extLst>
                 <a:ext uri="{91240B29-F687-4f45-9708-019B960494DF}">
-                  <a14:hiddenLine xmlns="" xmlns:a14="http://schemas.microsoft.com/office/drawing/2010/main" w="9525">
+                  <a14:hiddenLine xmlns:a14="http://schemas.microsoft.com/office/drawing/2010/main" xmlns="" w="9525">
                     <a:solidFill>
                       <a:srgbClr val="000000"/>
                     </a:solidFill>
@@ -13053,7 +13053,7 @@
               </a:ln>
               <a:extLst>
                 <a:ext uri="{91240B29-F687-4f45-9708-019B960494DF}">
-                  <a14:hiddenLine xmlns="" xmlns:a14="http://schemas.microsoft.com/office/drawing/2010/main" w="9525">
+                  <a14:hiddenLine xmlns:a14="http://schemas.microsoft.com/office/drawing/2010/main" xmlns="" w="9525">
                     <a:solidFill>
                       <a:srgbClr val="000000"/>
                     </a:solidFill>
@@ -13115,7 +13115,7 @@
               </a:ln>
               <a:extLst>
                 <a:ext uri="{91240B29-F687-4f45-9708-019B960494DF}">
-                  <a14:hiddenLine xmlns="" xmlns:a14="http://schemas.microsoft.com/office/drawing/2010/main" w="9525">
+                  <a14:hiddenLine xmlns:a14="http://schemas.microsoft.com/office/drawing/2010/main" xmlns="" w="9525">
                     <a:solidFill>
                       <a:srgbClr val="000000"/>
                     </a:solidFill>
@@ -13177,7 +13177,7 @@
               </a:ln>
               <a:extLst>
                 <a:ext uri="{91240B29-F687-4f45-9708-019B960494DF}">
-                  <a14:hiddenLine xmlns="" xmlns:a14="http://schemas.microsoft.com/office/drawing/2010/main" w="9525">
+                  <a14:hiddenLine xmlns:a14="http://schemas.microsoft.com/office/drawing/2010/main" xmlns="" w="9525">
                     <a:solidFill>
                       <a:srgbClr val="000000"/>
                     </a:solidFill>
@@ -13267,7 +13267,7 @@
               </a:ln>
               <a:extLst>
                 <a:ext uri="{91240B29-F687-4f45-9708-019B960494DF}">
-                  <a14:hiddenLine xmlns="" xmlns:a14="http://schemas.microsoft.com/office/drawing/2010/main" w="9525">
+                  <a14:hiddenLine xmlns:a14="http://schemas.microsoft.com/office/drawing/2010/main" xmlns="" w="9525">
                     <a:solidFill>
                       <a:srgbClr val="000000"/>
                     </a:solidFill>
@@ -13301,7 +13301,7 @@
               </a:ln>
               <a:extLst>
                 <a:ext uri="{91240B29-F687-4f45-9708-019B960494DF}">
-                  <a14:hiddenLine xmlns="" xmlns:a14="http://schemas.microsoft.com/office/drawing/2010/main" w="9525">
+                  <a14:hiddenLine xmlns:a14="http://schemas.microsoft.com/office/drawing/2010/main" xmlns="" w="9525">
                     <a:solidFill>
                       <a:srgbClr val="000000"/>
                     </a:solidFill>
@@ -13366,7 +13366,7 @@
               </a:ln>
               <a:extLst>
                 <a:ext uri="{91240B29-F687-4f45-9708-019B960494DF}">
-                  <a14:hiddenLine xmlns="" xmlns:a14="http://schemas.microsoft.com/office/drawing/2010/main" w="9525">
+                  <a14:hiddenLine xmlns:a14="http://schemas.microsoft.com/office/drawing/2010/main" xmlns="" w="9525">
                     <a:solidFill>
                       <a:srgbClr val="000000"/>
                     </a:solidFill>
@@ -13456,7 +13456,7 @@
               </a:ln>
               <a:extLst>
                 <a:ext uri="{91240B29-F687-4f45-9708-019B960494DF}">
-                  <a14:hiddenLine xmlns="" xmlns:a14="http://schemas.microsoft.com/office/drawing/2010/main" w="9525">
+                  <a14:hiddenLine xmlns:a14="http://schemas.microsoft.com/office/drawing/2010/main" xmlns="" w="9525">
                     <a:solidFill>
                       <a:srgbClr val="000000"/>
                     </a:solidFill>
@@ -13518,7 +13518,7 @@
               </a:ln>
               <a:extLst>
                 <a:ext uri="{91240B29-F687-4f45-9708-019B960494DF}">
-                  <a14:hiddenLine xmlns="" xmlns:a14="http://schemas.microsoft.com/office/drawing/2010/main" w="9525">
+                  <a14:hiddenLine xmlns:a14="http://schemas.microsoft.com/office/drawing/2010/main" xmlns="" w="9525">
                     <a:solidFill>
                       <a:srgbClr val="000000"/>
                     </a:solidFill>
@@ -13608,7 +13608,7 @@
               </a:ln>
               <a:extLst>
                 <a:ext uri="{91240B29-F687-4f45-9708-019B960494DF}">
-                  <a14:hiddenLine xmlns="" xmlns:a14="http://schemas.microsoft.com/office/drawing/2010/main" w="9525">
+                  <a14:hiddenLine xmlns:a14="http://schemas.microsoft.com/office/drawing/2010/main" xmlns="" w="9525">
                     <a:solidFill>
                       <a:srgbClr val="000000"/>
                     </a:solidFill>
@@ -13673,7 +13673,7 @@
               </a:ln>
               <a:extLst>
                 <a:ext uri="{91240B29-F687-4f45-9708-019B960494DF}">
-                  <a14:hiddenLine xmlns="" xmlns:a14="http://schemas.microsoft.com/office/drawing/2010/main" w="9525">
+                  <a14:hiddenLine xmlns:a14="http://schemas.microsoft.com/office/drawing/2010/main" xmlns="" w="9525">
                     <a:solidFill>
                       <a:srgbClr val="000000"/>
                     </a:solidFill>
@@ -13735,7 +13735,7 @@
               </a:ln>
               <a:extLst>
                 <a:ext uri="{91240B29-F687-4f45-9708-019B960494DF}">
-                  <a14:hiddenLine xmlns="" xmlns:a14="http://schemas.microsoft.com/office/drawing/2010/main" w="9525">
+                  <a14:hiddenLine xmlns:a14="http://schemas.microsoft.com/office/drawing/2010/main" xmlns="" w="9525">
                     <a:solidFill>
                       <a:srgbClr val="000000"/>
                     </a:solidFill>
@@ -13825,7 +13825,7 @@
               </a:ln>
               <a:extLst>
                 <a:ext uri="{91240B29-F687-4f45-9708-019B960494DF}">
-                  <a14:hiddenLine xmlns="" xmlns:a14="http://schemas.microsoft.com/office/drawing/2010/main" w="9525">
+                  <a14:hiddenLine xmlns:a14="http://schemas.microsoft.com/office/drawing/2010/main" xmlns="" w="9525">
                     <a:solidFill>
                       <a:srgbClr val="000000"/>
                     </a:solidFill>
@@ -13915,7 +13915,7 @@
               </a:ln>
               <a:extLst>
                 <a:ext uri="{91240B29-F687-4f45-9708-019B960494DF}">
-                  <a14:hiddenLine xmlns="" xmlns:a14="http://schemas.microsoft.com/office/drawing/2010/main" w="9525">
+                  <a14:hiddenLine xmlns:a14="http://schemas.microsoft.com/office/drawing/2010/main" xmlns="" w="9525">
                     <a:solidFill>
                       <a:srgbClr val="000000"/>
                     </a:solidFill>
@@ -13980,7 +13980,7 @@
               </a:ln>
               <a:extLst>
                 <a:ext uri="{91240B29-F687-4f45-9708-019B960494DF}">
-                  <a14:hiddenLine xmlns="" xmlns:a14="http://schemas.microsoft.com/office/drawing/2010/main" w="9525">
+                  <a14:hiddenLine xmlns:a14="http://schemas.microsoft.com/office/drawing/2010/main" xmlns="" w="9525">
                     <a:solidFill>
                       <a:srgbClr val="000000"/>
                     </a:solidFill>
@@ -14100,7 +14100,7 @@
               </a:ln>
               <a:extLst>
                 <a:ext uri="{91240B29-F687-4f45-9708-019B960494DF}">
-                  <a14:hiddenLine xmlns="" xmlns:a14="http://schemas.microsoft.com/office/drawing/2010/main" w="9525">
+                  <a14:hiddenLine xmlns:a14="http://schemas.microsoft.com/office/drawing/2010/main" xmlns="" w="9525">
                     <a:solidFill>
                       <a:srgbClr val="000000"/>
                     </a:solidFill>
@@ -14181,7 +14181,7 @@
               </a:ln>
               <a:extLst>
                 <a:ext uri="{91240B29-F687-4f45-9708-019B960494DF}">
-                  <a14:hiddenLine xmlns="" xmlns:a14="http://schemas.microsoft.com/office/drawing/2010/main" w="9525">
+                  <a14:hiddenLine xmlns:a14="http://schemas.microsoft.com/office/drawing/2010/main" xmlns="" w="9525">
                     <a:solidFill>
                       <a:srgbClr val="000000"/>
                     </a:solidFill>
@@ -14296,7 +14296,7 @@
               </a:ln>
               <a:extLst>
                 <a:ext uri="{91240B29-F687-4f45-9708-019B960494DF}">
-                  <a14:hiddenLine xmlns="" xmlns:a14="http://schemas.microsoft.com/office/drawing/2010/main" w="9525">
+                  <a14:hiddenLine xmlns:a14="http://schemas.microsoft.com/office/drawing/2010/main" xmlns="" w="9525">
                     <a:solidFill>
                       <a:srgbClr val="000000"/>
                     </a:solidFill>
@@ -14386,7 +14386,7 @@
               </a:ln>
               <a:extLst>
                 <a:ext uri="{91240B29-F687-4f45-9708-019B960494DF}">
-                  <a14:hiddenLine xmlns="" xmlns:a14="http://schemas.microsoft.com/office/drawing/2010/main" w="9525">
+                  <a14:hiddenLine xmlns:a14="http://schemas.microsoft.com/office/drawing/2010/main" xmlns="" w="9525">
                     <a:solidFill>
                       <a:srgbClr val="000000"/>
                     </a:solidFill>
@@ -14451,7 +14451,7 @@
               </a:ln>
               <a:extLst>
                 <a:ext uri="{91240B29-F687-4f45-9708-019B960494DF}">
-                  <a14:hiddenLine xmlns="" xmlns:a14="http://schemas.microsoft.com/office/drawing/2010/main" w="9525">
+                  <a14:hiddenLine xmlns:a14="http://schemas.microsoft.com/office/drawing/2010/main" xmlns="" w="9525">
                     <a:solidFill>
                       <a:srgbClr val="000000"/>
                     </a:solidFill>
@@ -14541,7 +14541,7 @@
               </a:ln>
               <a:extLst>
                 <a:ext uri="{91240B29-F687-4f45-9708-019B960494DF}">
-                  <a14:hiddenLine xmlns="" xmlns:a14="http://schemas.microsoft.com/office/drawing/2010/main" w="9525">
+                  <a14:hiddenLine xmlns:a14="http://schemas.microsoft.com/office/drawing/2010/main" xmlns="" w="9525">
                     <a:solidFill>
                       <a:srgbClr val="000000"/>
                     </a:solidFill>
@@ -14609,7 +14609,7 @@
               </a:ln>
               <a:extLst>
                 <a:ext uri="{91240B29-F687-4f45-9708-019B960494DF}">
-                  <a14:hiddenLine xmlns="" xmlns:a14="http://schemas.microsoft.com/office/drawing/2010/main" w="9525">
+                  <a14:hiddenLine xmlns:a14="http://schemas.microsoft.com/office/drawing/2010/main" xmlns="" w="9525">
                     <a:solidFill>
                       <a:srgbClr val="000000"/>
                     </a:solidFill>
@@ -14699,7 +14699,7 @@
               </a:ln>
               <a:extLst>
                 <a:ext uri="{91240B29-F687-4f45-9708-019B960494DF}">
-                  <a14:hiddenLine xmlns="" xmlns:a14="http://schemas.microsoft.com/office/drawing/2010/main" w="9525">
+                  <a14:hiddenLine xmlns:a14="http://schemas.microsoft.com/office/drawing/2010/main" xmlns="" w="9525">
                     <a:solidFill>
                       <a:srgbClr val="000000"/>
                     </a:solidFill>
@@ -14767,7 +14767,7 @@
               </a:ln>
               <a:extLst>
                 <a:ext uri="{91240B29-F687-4f45-9708-019B960494DF}">
-                  <a14:hiddenLine xmlns="" xmlns:a14="http://schemas.microsoft.com/office/drawing/2010/main" w="9525">
+                  <a14:hiddenLine xmlns:a14="http://schemas.microsoft.com/office/drawing/2010/main" xmlns="" w="9525">
                     <a:solidFill>
                       <a:srgbClr val="000000"/>
                     </a:solidFill>
@@ -14857,7 +14857,7 @@
               </a:ln>
               <a:extLst>
                 <a:ext uri="{91240B29-F687-4f45-9708-019B960494DF}">
-                  <a14:hiddenLine xmlns="" xmlns:a14="http://schemas.microsoft.com/office/drawing/2010/main" w="9525">
+                  <a14:hiddenLine xmlns:a14="http://schemas.microsoft.com/office/drawing/2010/main" xmlns="" w="9525">
                     <a:solidFill>
                       <a:srgbClr val="000000"/>
                     </a:solidFill>
@@ -14891,7 +14891,7 @@
               </a:ln>
               <a:extLst>
                 <a:ext uri="{91240B29-F687-4f45-9708-019B960494DF}">
-                  <a14:hiddenLine xmlns="" xmlns:a14="http://schemas.microsoft.com/office/drawing/2010/main" w="9525">
+                  <a14:hiddenLine xmlns:a14="http://schemas.microsoft.com/office/drawing/2010/main" xmlns="" w="9525">
                     <a:solidFill>
                       <a:srgbClr val="000000"/>
                     </a:solidFill>
@@ -15463,16 +15463,21 @@
             <p:ph type="ctrTitle"/>
           </p:nvPr>
         </p:nvSpPr>
-        <p:spPr/>
+        <p:spPr>
+          <a:xfrm>
+            <a:off x="1876424" y="1122363"/>
+            <a:ext cx="8791575" cy="1655762"/>
+          </a:xfrm>
+        </p:spPr>
         <p:txBody>
           <a:bodyPr>
-            <a:normAutofit fontScale="90000"/>
+            <a:normAutofit/>
           </a:bodyPr>
           <a:lstStyle/>
           <a:p>
             <a:r>
               <a:rPr lang="en-US" dirty="0"/>
-              <a:t>Capstone Project - The Battle of Neighborhoods (Week 2)-FIND AN OPTIMAL LOCATION FOR A RESTURANT</a:t>
+              <a:t>FIND AN OPTIMAL LOCATION FOR A RESTURANT</a:t>
             </a:r>
           </a:p>
         </p:txBody>
@@ -15564,43 +15569,40 @@
         <p:spPr/>
         <p:txBody>
           <a:bodyPr>
-            <a:normAutofit fontScale="70000" lnSpcReduction="20000"/>
+            <a:normAutofit/>
           </a:bodyPr>
           <a:lstStyle/>
           <a:p>
-            <a:pPr marL="0" indent="0">
-              <a:buNone/>
-            </a:pPr>
             <a:r>
               <a:rPr lang="en-US" dirty="0"/>
-              <a:t>In this project we will try to find an optimal location for a restaurant. Specifically, this report will be targeted to stakeholders interested in opening a restaurant in Toronto, Canada.</a:t>
+              <a:t>Target stakeholders interested in opening a restaurant in Toronto, Canada.</a:t>
             </a:r>
           </a:p>
           <a:p>
-            <a:pPr marL="0" indent="0">
-              <a:buNone/>
-            </a:pPr>
             <a:r>
               <a:rPr lang="en-US" dirty="0"/>
-              <a:t>Here we will try finding if someone wants to open a new restaurant in the city which location is best suited for it keeping in mind the competitors and which income group of people will be attracted most to it based on the population of the neighborhood.</a:t>
+              <a:t>Find if</a:t>
             </a:r>
           </a:p>
           <a:p>
-            <a:pPr marL="0" indent="0">
-              <a:buNone/>
-            </a:pPr>
+            <a:pPr lvl="1"/>
             <a:r>
               <a:rPr lang="en-US" dirty="0"/>
-              <a:t>Since there are lots of restaurants in Toronto, we will try to detect locations that are not already crowded with restaurants. We would also prefer locations as close to city center as possible, assuming that first two conditions are met.</a:t>
+              <a:t>Someone who want to open a new restaurant</a:t>
             </a:r>
           </a:p>
           <a:p>
-            <a:pPr marL="0" indent="0">
-              <a:buNone/>
-            </a:pPr>
+            <a:pPr lvl="1"/>
             <a:r>
               <a:rPr lang="en-US" dirty="0"/>
-              <a:t>We will use our data science powers to generate a few most promising neighborhoods based on this criteria. Advantages of each area will then be clearly expressed so that best possible final location can be chosen by stakeholders.</a:t>
+              <a:t>The location in the city</a:t>
+            </a:r>
+          </a:p>
+          <a:p>
+            <a:pPr lvl="1"/>
+            <a:r>
+              <a:rPr lang="en-US" dirty="0"/>
+              <a:t>Who are the competitors </a:t>
             </a:r>
           </a:p>
         </p:txBody>
@@ -15670,13 +15672,13 @@
         <p:spPr/>
         <p:txBody>
           <a:bodyPr>
-            <a:normAutofit fontScale="85000" lnSpcReduction="10000"/>
+            <a:normAutofit/>
           </a:bodyPr>
           <a:lstStyle/>
           <a:p>
             <a:r>
               <a:rPr lang="en-US" dirty="0"/>
-              <a:t>Collected required **data: location and type (category) of every restaurant within our latitude and longitude. We have also the type of restaurants in particular locality.</a:t>
+              <a:t>Collected required data</a:t>
             </a:r>
           </a:p>
           <a:p>
@@ -15690,45 +15692,13 @@
             </a:r>
             <a:r>
               <a:rPr lang="en-US" dirty="0"/>
-              <a:t>' across different areas of Toronto - we will use </a:t>
+              <a:t>' across different areas of Toronto.</a:t>
             </a:r>
-            <a:r>
-              <a:rPr lang="en-US" b="1" dirty="0"/>
-              <a:t>K- mean</a:t>
-            </a:r>
+          </a:p>
+          <a:p>
             <a:r>
               <a:rPr lang="en-US" dirty="0"/>
-              <a:t> to identify a few promising areas close to center with low number of restaurants and their type.</a:t>
-            </a:r>
-          </a:p>
-          <a:p>
-            <a:r>
-              <a:rPr lang="en-US" dirty="0"/>
-              <a:t>Explored the most promising areas and within those create </a:t>
-            </a:r>
-            <a:r>
-              <a:rPr lang="en-US" b="1" dirty="0"/>
-              <a:t>clusters of locations that meet some basic requirements</a:t>
-            </a:r>
-            <a:r>
-              <a:rPr lang="en-US" dirty="0"/>
-              <a:t> established in discussion with stakeholders: we will take into consideration locations with </a:t>
-            </a:r>
-            <a:r>
-              <a:rPr lang="en-US" b="1" dirty="0"/>
-              <a:t>less restaurants in radius of 500 meters</a:t>
-            </a:r>
-            <a:r>
-              <a:rPr lang="en-US" dirty="0"/>
-              <a:t>, We will present map of all such locations but also create clusters (using </a:t>
-            </a:r>
-            <a:r>
-              <a:rPr lang="en-US" b="1" dirty="0"/>
-              <a:t>k-means clustering</a:t>
-            </a:r>
-            <a:r>
-              <a:rPr lang="en-US" dirty="0"/>
-              <a:t>) of those locations to explore neighborhood.</a:t>
+              <a:t>Explored the most promising areas</a:t>
             </a:r>
           </a:p>
           <a:p>
@@ -15801,49 +15771,25 @@
         <p:spPr/>
         <p:txBody>
           <a:bodyPr>
-            <a:normAutofit fontScale="85000" lnSpcReduction="20000"/>
+            <a:normAutofit/>
           </a:bodyPr>
           <a:lstStyle/>
           <a:p>
             <a:r>
               <a:rPr lang="en-US" dirty="0"/>
-              <a:t>Based on definition of our problem, factors that will influence our </a:t>
+              <a:t>Based on definition of our problem, factors that will influence our decision are:</a:t>
             </a:r>
-            <a:r>
-              <a:rPr lang="en-US" dirty="0" err="1"/>
-              <a:t>decission</a:t>
-            </a:r>
+          </a:p>
+          <a:p>
             <a:r>
               <a:rPr lang="en-US" dirty="0"/>
-              <a:t> are:</a:t>
+              <a:t>Age group of people</a:t>
             </a:r>
           </a:p>
           <a:p>
             <a:r>
               <a:rPr lang="en-US" dirty="0"/>
-              <a:t>All existing restaurants in the neighborhood (any type of restaurant) Age group of people with their income Distance of neighborhood from city center We decided to use regularly spaced grid of locations, centered around city center, to define our neighborhoods.</a:t>
-            </a:r>
-          </a:p>
-          <a:p>
-            <a:r>
-              <a:rPr lang="en-US" dirty="0"/>
-              <a:t>Following data sources will be needed to extract/generate the required information:</a:t>
-            </a:r>
-          </a:p>
-          <a:p>
-            <a:r>
-              <a:rPr lang="en-US" dirty="0"/>
-              <a:t>centers of candidate areas will be generated algorithmically and approximate addresses of centers of those areas will be obtained using </a:t>
-            </a:r>
-            <a:r>
-              <a:rPr lang="en-US" u="sng" dirty="0">
-                <a:hlinkClick r:id="rId2"/>
-              </a:rPr>
-              <a:t>https://en.wikipedia.org/wiki/List_of_postal_codes_of_Canada:_M</a:t>
-            </a:r>
-            <a:r>
-              <a:rPr lang="en-US" dirty="0"/>
-              <a:t> number of restaurants and their type and location in every neighborhood will be obtained using Foursquare API</a:t>
+              <a:t>Income Distance of neighborhood from city center</a:t>
             </a:r>
           </a:p>
         </p:txBody>
@@ -15937,43 +15883,19 @@
         </p:spPr>
         <p:txBody>
           <a:bodyPr>
-            <a:normAutofit fontScale="55000" lnSpcReduction="20000"/>
+            <a:normAutofit/>
           </a:bodyPr>
           <a:lstStyle/>
           <a:p>
             <a:r>
               <a:rPr lang="en-US" b="1" dirty="0"/>
-              <a:t>Data </a:t>
-            </a:r>
-            <a:r>
-              <a:rPr lang="en-US" b="1" dirty="0" err="1"/>
-              <a:t>identifiaction</a:t>
-            </a:r>
-            <a:r>
-              <a:rPr lang="en-US" b="1" dirty="0"/>
-              <a:t>, capturing and cleaning.</a:t>
+              <a:t>Data identification, capturing and cleaning.</a:t>
             </a:r>
           </a:p>
           <a:p>
             <a:r>
               <a:rPr lang="en-US" dirty="0"/>
-              <a:t>Search &amp; Identify the </a:t>
-            </a:r>
-            <a:r>
-              <a:rPr lang="en-US" dirty="0" err="1"/>
-              <a:t>relavant</a:t>
-            </a:r>
-            <a:r>
-              <a:rPr lang="en-US" dirty="0"/>
-              <a:t> data source and capture it, here we are using </a:t>
-            </a:r>
-            <a:r>
-              <a:rPr lang="en-US" dirty="0" err="1"/>
-              <a:t>wikipedia</a:t>
-            </a:r>
-            <a:r>
-              <a:rPr lang="en-US" dirty="0"/>
-              <a:t> to get data about Toronto, Canada. Then we remove all the redundant value(data cleaning). Then we combine neighborhood similar Bronx. Now the data is clean and ready to use.</a:t>
+              <a:t>Search &amp; Identify the relevant data source and capture it</a:t>
             </a:r>
           </a:p>
           <a:p>
@@ -15984,76 +15906,8 @@
           </a:p>
           <a:p>
             <a:r>
-              <a:rPr lang="en-US" dirty="0"/>
-              <a:t>Now, we will combine neighborhood dataset with postal address and dataset with Latitude &amp; Longitude and save them it separate data </a:t>
-            </a:r>
-            <a:r>
-              <a:rPr lang="en-US" dirty="0" err="1"/>
-              <a:t>frame.The</a:t>
-            </a:r>
-            <a:r>
-              <a:rPr lang="en-US" dirty="0"/>
-              <a:t> resultant data frame with contain details </a:t>
-            </a:r>
-            <a:r>
-              <a:rPr lang="en-US" dirty="0" err="1"/>
-              <a:t>aabout</a:t>
-            </a:r>
-            <a:r>
-              <a:rPr lang="en-US" dirty="0"/>
-              <a:t> Postal code, Brough, Neighborhood, Latitude &amp; </a:t>
-            </a:r>
-            <a:r>
-              <a:rPr lang="en-US" dirty="0" err="1"/>
-              <a:t>Longitude.Then</a:t>
-            </a:r>
-            <a:r>
-              <a:rPr lang="en-US" dirty="0"/>
-              <a:t> visualize it using folium map.</a:t>
-            </a:r>
-          </a:p>
-          <a:p>
-            <a:r>
               <a:rPr lang="en-US" b="1" dirty="0"/>
               <a:t>Explore the Toronto's neighborhoods</a:t>
-            </a:r>
-          </a:p>
-          <a:p>
-            <a:r>
-              <a:rPr lang="en-US" dirty="0"/>
-              <a:t>Firstly, we explored all the neighborhoods in the city of Toronto, using the Latitude &amp; Longitude data, using </a:t>
-            </a:r>
-            <a:r>
-              <a:rPr lang="en-US" dirty="0" err="1"/>
-              <a:t>Foresquare</a:t>
-            </a:r>
-            <a:r>
-              <a:rPr lang="en-US" dirty="0"/>
-              <a:t> API to get the Restaurant venues available in </a:t>
-            </a:r>
-            <a:r>
-              <a:rPr lang="en-US" dirty="0" err="1"/>
-              <a:t>Toronto.Explore</a:t>
-            </a:r>
-            <a:r>
-              <a:rPr lang="en-US" dirty="0"/>
-              <a:t> the unique categories in the </a:t>
-            </a:r>
-            <a:r>
-              <a:rPr lang="en-US" dirty="0" err="1"/>
-              <a:t>neighborhood.Filter</a:t>
-            </a:r>
-            <a:r>
-              <a:rPr lang="en-US" dirty="0"/>
-              <a:t> the Venues details for all possible ‘Restaurants’. Find each neighborhood along with the top most common </a:t>
-            </a:r>
-            <a:r>
-              <a:rPr lang="en-US" dirty="0" err="1"/>
-              <a:t>venues.Identify</a:t>
-            </a:r>
-            <a:r>
-              <a:rPr lang="en-US" dirty="0"/>
-              <a:t> the top 10 venues for each neighborhood.</a:t>
             </a:r>
           </a:p>
           <a:p>
@@ -16063,20 +15917,9 @@
             </a:r>
           </a:p>
           <a:p>
-            <a:r>
-              <a:rPr lang="en-US" dirty="0"/>
-              <a:t>With an assumption of 5 clusters, use K-Cluster algorithm to come up with 5 different clusters in Toronto with similar set of </a:t>
-            </a:r>
-            <a:r>
-              <a:rPr lang="en-US" dirty="0" err="1"/>
-              <a:t>Venues.Explore</a:t>
-            </a:r>
-            <a:r>
-              <a:rPr lang="en-US" dirty="0"/>
-              <a:t> each cluster and determine the discriminating venue categories that distinguish each cluster. Identify the clusters &amp; Boroughs/Neighborhoods with Maximum number restaurants and their types.</a:t>
-            </a:r>
-          </a:p>
-          <a:p>
+            <a:pPr marL="0" indent="0">
+              <a:buNone/>
+            </a:pPr>
             <a:endParaRPr lang="en-US" dirty="0"/>
           </a:p>
         </p:txBody>
@@ -16226,29 +16069,13 @@
         </p:spPr>
         <p:txBody>
           <a:bodyPr>
-            <a:normAutofit fontScale="70000" lnSpcReduction="20000"/>
+            <a:normAutofit/>
           </a:bodyPr>
           <a:lstStyle/>
           <a:p>
             <a:r>
               <a:rPr lang="en-US" dirty="0"/>
-              <a:t>Our analysis shows that although there is a great number of restaurants in Toronto, there are pockets of low restaurant density fairly close to city </a:t>
-            </a:r>
-            <a:r>
-              <a:rPr lang="en-US" dirty="0" err="1"/>
-              <a:t>center.We</a:t>
-            </a:r>
-            <a:r>
-              <a:rPr lang="en-US" dirty="0"/>
-              <a:t> have 4 boroughs and 74 neighborhoods inside </a:t>
-            </a:r>
-            <a:r>
-              <a:rPr lang="en-US" dirty="0" err="1"/>
-              <a:t>geograpical</a:t>
-            </a:r>
-            <a:r>
-              <a:rPr lang="en-US" dirty="0"/>
-              <a:t> coordinate of </a:t>
+              <a:t>We have 4 boroughs and 74 neighborhoods inside geographical coordinate of </a:t>
             </a:r>
             <a:r>
               <a:rPr lang="en-US" b="1" dirty="0"/>
@@ -16262,21 +16089,19 @@
           <a:p>
             <a:r>
               <a:rPr lang="en-US" dirty="0"/>
-              <a:t>Based on our initial assumption of the cluster with maximum number of restaurants will have the best possibility to have a new restaurant due to the need in the area. Based on the resultant clusters it looks like Cluster 1 and Cluster 5 have higher number of </a:t>
+              <a:t>Based on the resultant clusters it looks like Cluster 1 and Cluster 5 have higher number of restaurants then rest of the clusters.</a:t>
             </a:r>
-            <a:r>
-              <a:rPr lang="en-US" dirty="0" err="1"/>
-              <a:t>resturants</a:t>
-            </a:r>
+          </a:p>
+          <a:p>
             <a:r>
               <a:rPr lang="en-US" dirty="0"/>
-              <a:t> then rest of the clusters.</a:t>
+              <a:t>Recommended zones should therefore be considered only as a starting point for more detailed analysis </a:t>
             </a:r>
           </a:p>
           <a:p>
             <a:r>
               <a:rPr lang="en-US" dirty="0"/>
-              <a:t>It is entirely possible that there is a very good reason for small number of restaurants in any of those areas, reasons which would make them unsuitable for a new restaurant regardless of lack of competition in the area. Recommended zones should therefore be considered only as a starting point for more detailed analysis which could eventually result in location which has not only no nearby competition but also other factors taken into account and all other relevant conditions met.</a:t>
+              <a:t>result in location which has not only no nearby competition but also other factors taken into account and all other relevant conditions met.</a:t>
             </a:r>
           </a:p>
         </p:txBody>
@@ -16347,33 +16172,19 @@
         <p:spPr/>
         <p:txBody>
           <a:bodyPr>
-            <a:normAutofit fontScale="70000" lnSpcReduction="20000"/>
+            <a:normAutofit/>
           </a:bodyPr>
           <a:lstStyle/>
           <a:p>
-            <a:pPr marL="0" indent="0">
-              <a:buNone/>
-            </a:pPr>
             <a:r>
               <a:rPr lang="en-US" dirty="0"/>
-              <a:t>Purpose of this project was to identify areas n Toronto with low number of restaurants in order to aid stakeholders in narrowing down the search for optimal location for a new restaurant. By calculating restaurant density distribution from Foursquare data we have first identified general boroughs that justify further analysis, and then generated extensive collection of locations which satisfy some basic requirements regarding existing nearby restaurants. Clustering of those locations was then performed in order to create major zones of interest (containing greatest number of potential locations) and addresses of those zone centers were created to be used as starting points for final exploration by stakeholders.</a:t>
+              <a:t>Purpose of this project was to identify areas n Toronto with low number of restaurants. </a:t>
             </a:r>
           </a:p>
           <a:p>
-            <a:pPr marL="0" indent="0">
-              <a:buNone/>
-            </a:pPr>
             <a:r>
               <a:rPr lang="en-US" dirty="0"/>
-              <a:t>Final </a:t>
-            </a:r>
-            <a:r>
-              <a:rPr lang="en-US" dirty="0" err="1"/>
-              <a:t>decission</a:t>
-            </a:r>
-            <a:r>
-              <a:rPr lang="en-US" dirty="0"/>
-              <a:t> on optimal restaurant location will be made by stakeholders based on specific characteristics of neighborhoods and locations in every recommended zone, taking into consideration additional factors like attractiveness of each location (proximity to park or water), levels of noise / proximity to major roads, real estate availability, prices, social and economic dynamics of every neighborhood etc.</a:t>
+              <a:t>Final decision on optimal restaurant location will be made by stakeholders</a:t>
             </a:r>
           </a:p>
         </p:txBody>
